--- a/documentDeliverables/Presentations/MyTab - Presentation2 .pptx
+++ b/documentDeliverables/Presentations/MyTab - Presentation2 .pptx
@@ -123,6 +123,22 @@
       </a:defRPr>
     </a:lvl9pPr>
   </p:defaultTextStyle>
+  <p:extLst>
+    <p:ext uri="{EFAFB233-063F-42B5-8137-9DF3F51BA10A}">
+      <p15:sldGuideLst xmlns:p15="http://schemas.microsoft.com/office/powerpoint/2012/main">
+        <p15:guide id="1" orient="horz" pos="2160">
+          <p15:clr>
+            <a:srgbClr val="A4A3A4"/>
+          </p15:clr>
+        </p15:guide>
+        <p15:guide id="2" pos="2880">
+          <p15:clr>
+            <a:srgbClr val="A4A3A4"/>
+          </p15:clr>
+        </p15:guide>
+      </p15:sldGuideLst>
+    </p:ext>
+  </p:extLst>
 </p:presentation>
 </file>
 
@@ -208,7 +224,7 @@
           <a:p>
             <a:fld id="{D1830E0D-4B72-4B2E-A9CE-BE2F3D2A3291}" type="datetimeFigureOut">
               <a:rPr lang="en-US" smtClean="0"/>
-              <a:t>11/7/2013</a:t>
+              <a:t>12/16/2013</a:t>
             </a:fld>
             <a:endParaRPr lang="en-US"/>
           </a:p>
@@ -856,7 +872,7 @@
             <a:fld id="{1D8BD707-D9CF-40AE-B4C6-C98DA3205C09}" type="datetimeFigureOut">
               <a:rPr lang="en-US" smtClean="0"/>
               <a:pPr/>
-              <a:t>11/7/2013</a:t>
+              <a:t>12/16/2013</a:t>
             </a:fld>
             <a:endParaRPr lang="en-US"/>
           </a:p>
@@ -1028,7 +1044,7 @@
             <a:fld id="{1D8BD707-D9CF-40AE-B4C6-C98DA3205C09}" type="datetimeFigureOut">
               <a:rPr lang="en-US" smtClean="0"/>
               <a:pPr/>
-              <a:t>11/7/2013</a:t>
+              <a:t>12/16/2013</a:t>
             </a:fld>
             <a:endParaRPr lang="en-US"/>
           </a:p>
@@ -1210,7 +1226,7 @@
             <a:fld id="{1D8BD707-D9CF-40AE-B4C6-C98DA3205C09}" type="datetimeFigureOut">
               <a:rPr lang="en-US" smtClean="0"/>
               <a:pPr/>
-              <a:t>11/7/2013</a:t>
+              <a:t>12/16/2013</a:t>
             </a:fld>
             <a:endParaRPr lang="en-US"/>
           </a:p>
@@ -1382,7 +1398,7 @@
             <a:fld id="{1D8BD707-D9CF-40AE-B4C6-C98DA3205C09}" type="datetimeFigureOut">
               <a:rPr lang="en-US" smtClean="0"/>
               <a:pPr/>
-              <a:t>11/7/2013</a:t>
+              <a:t>12/16/2013</a:t>
             </a:fld>
             <a:endParaRPr lang="en-US"/>
           </a:p>
@@ -1630,7 +1646,7 @@
             <a:fld id="{1D8BD707-D9CF-40AE-B4C6-C98DA3205C09}" type="datetimeFigureOut">
               <a:rPr lang="en-US" smtClean="0"/>
               <a:pPr/>
-              <a:t>11/7/2013</a:t>
+              <a:t>12/16/2013</a:t>
             </a:fld>
             <a:endParaRPr lang="en-US"/>
           </a:p>
@@ -1920,7 +1936,7 @@
             <a:fld id="{1D8BD707-D9CF-40AE-B4C6-C98DA3205C09}" type="datetimeFigureOut">
               <a:rPr lang="en-US" smtClean="0"/>
               <a:pPr/>
-              <a:t>11/7/2013</a:t>
+              <a:t>12/16/2013</a:t>
             </a:fld>
             <a:endParaRPr lang="en-US"/>
           </a:p>
@@ -2344,7 +2360,7 @@
             <a:fld id="{1D8BD707-D9CF-40AE-B4C6-C98DA3205C09}" type="datetimeFigureOut">
               <a:rPr lang="en-US" smtClean="0"/>
               <a:pPr/>
-              <a:t>11/7/2013</a:t>
+              <a:t>12/16/2013</a:t>
             </a:fld>
             <a:endParaRPr lang="en-US"/>
           </a:p>
@@ -2464,7 +2480,7 @@
             <a:fld id="{1D8BD707-D9CF-40AE-B4C6-C98DA3205C09}" type="datetimeFigureOut">
               <a:rPr lang="en-US" smtClean="0"/>
               <a:pPr/>
-              <a:t>11/7/2013</a:t>
+              <a:t>12/16/2013</a:t>
             </a:fld>
             <a:endParaRPr lang="en-US"/>
           </a:p>
@@ -2561,7 +2577,7 @@
             <a:fld id="{1D8BD707-D9CF-40AE-B4C6-C98DA3205C09}" type="datetimeFigureOut">
               <a:rPr lang="en-US" smtClean="0"/>
               <a:pPr/>
-              <a:t>11/7/2013</a:t>
+              <a:t>12/16/2013</a:t>
             </a:fld>
             <a:endParaRPr lang="en-US"/>
           </a:p>
@@ -2840,7 +2856,7 @@
             <a:fld id="{1D8BD707-D9CF-40AE-B4C6-C98DA3205C09}" type="datetimeFigureOut">
               <a:rPr lang="en-US" smtClean="0"/>
               <a:pPr/>
-              <a:t>11/7/2013</a:t>
+              <a:t>12/16/2013</a:t>
             </a:fld>
             <a:endParaRPr lang="en-US"/>
           </a:p>
@@ -3095,7 +3111,7 @@
             <a:fld id="{1D8BD707-D9CF-40AE-B4C6-C98DA3205C09}" type="datetimeFigureOut">
               <a:rPr lang="en-US" smtClean="0"/>
               <a:pPr/>
-              <a:t>11/7/2013</a:t>
+              <a:t>12/16/2013</a:t>
             </a:fld>
             <a:endParaRPr lang="en-US"/>
           </a:p>
@@ -3310,7 +3326,7 @@
             <a:fld id="{1D8BD707-D9CF-40AE-B4C6-C98DA3205C09}" type="datetimeFigureOut">
               <a:rPr lang="en-US" smtClean="0"/>
               <a:pPr/>
-              <a:t>11/7/2013</a:t>
+              <a:t>12/16/2013</a:t>
             </a:fld>
             <a:endParaRPr lang="en-US"/>
           </a:p>
@@ -4191,13 +4207,8 @@
             <a:pPr lvl="1"/>
             <a:r>
               <a:rPr lang="en-US" dirty="0" smtClean="0"/>
-              <a:t>HTML escaping to display untrusted </a:t>
-            </a:r>
-            <a:r>
-              <a:rPr lang="en-US" dirty="0" smtClean="0"/>
-              <a:t>data</a:t>
-            </a:r>
-            <a:endParaRPr lang="en-US" dirty="0" smtClean="0"/>
+              <a:t>HTML escaping to display untrusted data</a:t>
+            </a:r>
           </a:p>
         </p:txBody>
       </p:sp>
@@ -4413,11 +4424,7 @@
           <a:p>
             <a:r>
               <a:rPr lang="en-US" dirty="0" smtClean="0"/>
-              <a:t>Sanitized SQL queries to prevent SQL </a:t>
-            </a:r>
-            <a:r>
-              <a:rPr lang="en-US" dirty="0" smtClean="0"/>
-              <a:t>injections, using prepared statements with validation..</a:t>
+              <a:t>Sanitized SQL queries to prevent SQL injections, using prepared statements with validation..</a:t>
             </a:r>
             <a:r>
               <a:rPr lang="en-US" dirty="0" err="1" smtClean="0"/>
@@ -5264,27 +5271,15 @@
           <a:p>
             <a:r>
               <a:rPr lang="en-US" dirty="0" smtClean="0"/>
-              <a:t>We have two separate subsystems, one for </a:t>
-            </a:r>
-            <a:r>
-              <a:rPr lang="en-US" dirty="0" smtClean="0"/>
-              <a:t>rendering the appropriate linked account(MyTab </a:t>
+              <a:t>We have two separate subsystems, one for rendering the appropriate linked account(MyTab </a:t>
             </a:r>
             <a:r>
               <a:rPr lang="en-US" dirty="0"/>
-              <a:t>would communicate with </a:t>
-            </a:r>
-            <a:r>
-              <a:rPr lang="en-US" dirty="0"/>
-              <a:t>respective </a:t>
-            </a:r>
-            <a:r>
-              <a:rPr lang="en-US" dirty="0" smtClean="0"/>
-              <a:t>servers to </a:t>
-            </a:r>
-            <a:r>
-              <a:rPr lang="en-US" dirty="0" smtClean="0"/>
-              <a:t>render the accounts), and other for the database tier.</a:t>
+              <a:t>would communicate with respective </a:t>
+            </a:r>
+            <a:r>
+              <a:rPr lang="en-US" dirty="0" smtClean="0"/>
+              <a:t>servers to render the accounts), and other for the database tier.</a:t>
             </a:r>
           </a:p>
           <a:p>
@@ -5368,15 +5363,7 @@
           <a:p>
             <a:r>
               <a:rPr lang="en-US" dirty="0" smtClean="0"/>
-              <a:t>A separate </a:t>
-            </a:r>
-            <a:r>
-              <a:rPr lang="en-US" dirty="0" smtClean="0"/>
-              <a:t>rendering subsystem </a:t>
-            </a:r>
-            <a:r>
-              <a:rPr lang="en-US" dirty="0" smtClean="0"/>
-              <a:t>allows the client to add/remove accounts according to his needs.</a:t>
+              <a:t>A separate rendering subsystem allows the client to add/remove accounts according to his needs.</a:t>
             </a:r>
           </a:p>
           <a:p>
@@ -5567,32 +5554,15 @@
           </a:p>
         </p:txBody>
       </p:sp>
-      <p:sp>
-        <p:nvSpPr>
-          <p:cNvPr id="4" name="Content Placeholder 3"/>
-          <p:cNvSpPr>
-            <a:spLocks noGrp="1"/>
-          </p:cNvSpPr>
-          <p:nvPr>
-            <p:ph idx="1"/>
-          </p:nvPr>
-        </p:nvSpPr>
-        <p:spPr/>
-        <p:txBody>
-          <a:bodyPr/>
-          <a:lstStyle/>
-          <a:p>
-            <a:endParaRPr lang="en-US"/>
-          </a:p>
-        </p:txBody>
-      </p:sp>
       <p:pic>
         <p:nvPicPr>
-          <p:cNvPr id="1027" name="Picture 3" descr="C:\Users\kira\Google Drive\Cornell\Cornell Courses\CS 5150\Assignment 3\Drawing1.jpg"/>
+          <p:cNvPr id="7" name="Content Placeholder 6"/>
           <p:cNvPicPr>
-            <a:picLocks noChangeAspect="1" noChangeArrowheads="1"/>
+            <a:picLocks noGrp="1" noChangeAspect="1"/>
           </p:cNvPicPr>
-          <p:nvPr/>
+          <p:nvPr>
+            <p:ph idx="1"/>
+          </p:nvPr>
         </p:nvPicPr>
         <p:blipFill>
           <a:blip r:embed="rId2">
@@ -5602,29 +5572,15 @@
               </a:ext>
             </a:extLst>
           </a:blip>
-          <a:srcRect/>
           <a:stretch>
             <a:fillRect/>
           </a:stretch>
         </p:blipFill>
-        <p:spPr bwMode="auto">
+        <p:spPr>
           <a:xfrm>
-            <a:off x="123825" y="304800"/>
-            <a:ext cx="8896350" cy="6248400"/>
+            <a:off x="457200" y="1066800"/>
+            <a:ext cx="8229600" cy="4825978"/>
           </a:xfrm>
-          <a:prstGeom prst="rect">
-            <a:avLst/>
-          </a:prstGeom>
-          <a:noFill/>
-          <a:extLst>
-            <a:ext uri="{909E8E84-426E-40DD-AFC4-6F175D3DCCD1}">
-              <a14:hiddenFill xmlns:a14="http://schemas.microsoft.com/office/drawing/2010/main">
-                <a:solidFill>
-                  <a:srgbClr val="FFFFFF"/>
-                </a:solidFill>
-              </a14:hiddenFill>
-            </a:ext>
-          </a:extLst>
         </p:spPr>
       </p:pic>
     </p:spTree>
